--- a/presentations/html-css-js.pptx
+++ b/presentations/html-css-js.pptx
@@ -6,7 +6,7 @@
     <p:sldMasterId id="2147483806" r:id="rId5"/>
   </p:sldMasterIdLst>
   <p:notesMasterIdLst>
-    <p:notesMasterId r:id="rId32"/>
+    <p:notesMasterId r:id="rId30"/>
   </p:notesMasterIdLst>
   <p:sldIdLst>
     <p:sldId id="256" r:id="rId6"/>
@@ -32,9 +32,7 @@
     <p:sldId id="4529" r:id="rId26"/>
     <p:sldId id="4526" r:id="rId27"/>
     <p:sldId id="4530" r:id="rId28"/>
-    <p:sldId id="4531" r:id="rId29"/>
-    <p:sldId id="4532" r:id="rId30"/>
-    <p:sldId id="266" r:id="rId31"/>
+    <p:sldId id="266" r:id="rId29"/>
   </p:sldIdLst>
   <p:sldSz cx="12192000" cy="6858000"/>
   <p:notesSz cx="6858000" cy="9144000"/>
@@ -6678,7 +6676,7 @@
           <a:p>
             <a:fld id="{78B2772D-67CF-446E-AB14-873D70346968}" type="datetimeFigureOut">
               <a:rPr lang="en-GB" smtClean="0"/>
-              <a:t>10/02/2022</a:t>
+              <a:t>15/02/2022</a:t>
             </a:fld>
             <a:endParaRPr lang="en-GB"/>
           </a:p>
@@ -7769,7 +7767,7 @@
           <a:p>
             <a:fld id="{6C25FA03-981D-3F4F-ABFD-F2CAE44CF4DF}" type="datetime1">
               <a:rPr lang="en-GB" smtClean="0"/>
-              <a:t>10/02/2022</a:t>
+              <a:t>15/02/2022</a:t>
             </a:fld>
             <a:endParaRPr lang="en-GB"/>
           </a:p>
@@ -8089,7 +8087,7 @@
           <a:p>
             <a:fld id="{AD447513-F0D7-9140-9852-9A843D8B81D3}" type="datetime1">
               <a:rPr lang="en-GB" smtClean="0"/>
-              <a:t>10/02/2022</a:t>
+              <a:t>15/02/2022</a:t>
             </a:fld>
             <a:endParaRPr lang="en-GB"/>
           </a:p>
@@ -8502,7 +8500,7 @@
           <a:p>
             <a:fld id="{4FC983D9-AEB3-884A-8B61-40B359253CCD}" type="datetime1">
               <a:rPr lang="en-GB" smtClean="0"/>
-              <a:t>10/02/2022</a:t>
+              <a:t>15/02/2022</a:t>
             </a:fld>
             <a:endParaRPr lang="en-GB"/>
           </a:p>
@@ -9537,7 +9535,7 @@
           <a:p>
             <a:fld id="{862EF5BF-54FA-BF48-B61D-2432192EF666}" type="datetime1">
               <a:rPr lang="en-GB" smtClean="0"/>
-              <a:t>10/02/2022</a:t>
+              <a:t>15/02/2022</a:t>
             </a:fld>
             <a:endParaRPr lang="en-GB"/>
           </a:p>
@@ -12656,7 +12654,7 @@
           <a:p>
             <a:fld id="{08B972FC-9C63-1B41-803B-B958A5F6CE25}" type="datetime1">
               <a:rPr lang="en-GB" smtClean="0"/>
-              <a:t>10/02/2022</a:t>
+              <a:t>15/02/2022</a:t>
             </a:fld>
             <a:endParaRPr lang="en-GB"/>
           </a:p>
@@ -12784,7 +12782,7 @@
           <a:p>
             <a:fld id="{05210873-7FD8-1244-ABA1-499AC4AF712B}" type="datetime1">
               <a:rPr lang="en-GB" smtClean="0"/>
-              <a:t>10/02/2022</a:t>
+              <a:t>15/02/2022</a:t>
             </a:fld>
             <a:endParaRPr lang="en-GB"/>
           </a:p>
@@ -13014,7 +13012,7 @@
           <a:p>
             <a:fld id="{5075CE0D-163E-D54F-96AD-C92D6F353048}" type="datetime1">
               <a:rPr lang="en-GB" smtClean="0"/>
-              <a:t>10/02/2022</a:t>
+              <a:t>15/02/2022</a:t>
             </a:fld>
             <a:endParaRPr lang="en-GB"/>
           </a:p>
@@ -14233,7 +14231,7 @@
           </a:ln>
           <a:extLst>
             <a:ext uri="{C572A759-6A51-4108-AA02-DFA0A04FC94B}">
-              <ma14:wrappingTextBoxFlag xmlns="" xmlns:ma14="http://schemas.microsoft.com/office/mac/drawingml/2011/main" val="1"/>
+              <ma14:wrappingTextBoxFlag xmlns:ma14="http://schemas.microsoft.com/office/mac/drawingml/2011/main" xmlns="" val="1"/>
             </a:ext>
           </a:extLst>
         </p:spPr>
@@ -14430,7 +14428,7 @@
           </a:ln>
           <a:extLst>
             <a:ext uri="{C572A759-6A51-4108-AA02-DFA0A04FC94B}">
-              <ma14:wrappingTextBoxFlag xmlns="" xmlns:ma14="http://schemas.microsoft.com/office/mac/drawingml/2011/main" val="1"/>
+              <ma14:wrappingTextBoxFlag xmlns:ma14="http://schemas.microsoft.com/office/mac/drawingml/2011/main" xmlns="" val="1"/>
             </a:ext>
           </a:extLst>
         </p:spPr>
@@ -14693,7 +14691,7 @@
           </a:ln>
           <a:extLst>
             <a:ext uri="{C572A759-6A51-4108-AA02-DFA0A04FC94B}">
-              <ma14:wrappingTextBoxFlag xmlns="" xmlns:ma14="http://schemas.microsoft.com/office/mac/drawingml/2011/main" val="1"/>
+              <ma14:wrappingTextBoxFlag xmlns:ma14="http://schemas.microsoft.com/office/mac/drawingml/2011/main" xmlns="" val="1"/>
             </a:ext>
           </a:extLst>
         </p:spPr>
@@ -15714,7 +15712,7 @@
           <a:p>
             <a:fld id="{330677AC-4808-7844-8878-C4DC36017FAF}" type="datetime1">
               <a:rPr lang="en-GB" smtClean="0"/>
-              <a:t>10/02/2022</a:t>
+              <a:t>15/02/2022</a:t>
             </a:fld>
             <a:endParaRPr lang="en-GB"/>
           </a:p>
@@ -16241,7 +16239,7 @@
           <a:p>
             <a:fld id="{05A8478A-EDB8-3145-A182-C5ED532937CD}" type="datetime1">
               <a:rPr lang="en-GB" smtClean="0"/>
-              <a:t>10/02/2022</a:t>
+              <a:t>15/02/2022</a:t>
             </a:fld>
             <a:endParaRPr lang="en-GB"/>
           </a:p>
@@ -16619,7 +16617,7 @@
           <a:p>
             <a:fld id="{3A861D55-4B75-6148-B497-8307DFA79D9F}" type="datetime1">
               <a:rPr lang="en-GB" smtClean="0"/>
-              <a:t>10/02/2022</a:t>
+              <a:t>15/02/2022</a:t>
             </a:fld>
             <a:endParaRPr lang="en-GB"/>
           </a:p>
@@ -16937,7 +16935,7 @@
           <a:p>
             <a:fld id="{23E27BC6-0B0F-3C48-A90A-106E7F9DC3AC}" type="datetime1">
               <a:rPr lang="en-GB" smtClean="0"/>
-              <a:t>10/02/2022</a:t>
+              <a:t>15/02/2022</a:t>
             </a:fld>
             <a:endParaRPr lang="en-GB"/>
           </a:p>
@@ -17319,7 +17317,7 @@
           <a:p>
             <a:fld id="{52156CEE-F6CC-7B46-8301-E62F55883839}" type="datetime1">
               <a:rPr lang="en-GB" smtClean="0"/>
-              <a:t>10/02/2022</a:t>
+              <a:t>15/02/2022</a:t>
             </a:fld>
             <a:endParaRPr lang="en-GB"/>
           </a:p>
@@ -17701,7 +17699,7 @@
           <a:p>
             <a:fld id="{F44621EF-E3B6-AC44-B311-3F80F8F520D1}" type="datetime1">
               <a:rPr lang="en-GB" smtClean="0"/>
-              <a:t>10/02/2022</a:t>
+              <a:t>15/02/2022</a:t>
             </a:fld>
             <a:endParaRPr lang="en-GB"/>
           </a:p>
@@ -18083,7 +18081,7 @@
           <a:p>
             <a:fld id="{D97C8151-BC5D-0342-B9A9-219468AF0BB5}" type="datetime1">
               <a:rPr lang="en-GB" smtClean="0"/>
-              <a:t>10/02/2022</a:t>
+              <a:t>15/02/2022</a:t>
             </a:fld>
             <a:endParaRPr lang="en-GB"/>
           </a:p>
@@ -18416,7 +18414,7 @@
           <a:p>
             <a:fld id="{31D05CA0-F179-1E48-8911-D48A170F3146}" type="datetime1">
               <a:rPr lang="en-GB" smtClean="0"/>
-              <a:t>10/02/2022</a:t>
+              <a:t>15/02/2022</a:t>
             </a:fld>
             <a:endParaRPr lang="en-GB"/>
           </a:p>
@@ -20883,11 +20881,11 @@
   <p:clrMapOvr>
     <a:masterClrMapping/>
   </p:clrMapOvr>
-  <mc:AlternateContent xmlns:mc="http://schemas.openxmlformats.org/markup-compatibility/2006">
-    <mc:Choice xmlns:p14="http://schemas.microsoft.com/office/powerpoint/2010/main" Requires="p14">
+  <mc:AlternateContent xmlns:mc="http://schemas.openxmlformats.org/markup-compatibility/2006" xmlns:p14="http://schemas.microsoft.com/office/powerpoint/2010/main">
+    <mc:Choice Requires="p14">
       <p:transition p14:dur="10"/>
     </mc:Choice>
-    <mc:Fallback>
+    <mc:Fallback xmlns="">
       <p:transition/>
     </mc:Fallback>
   </mc:AlternateContent>
@@ -21752,11 +21750,11 @@
   <p:clrMapOvr>
     <a:masterClrMapping/>
   </p:clrMapOvr>
-  <mc:AlternateContent xmlns:mc="http://schemas.openxmlformats.org/markup-compatibility/2006">
-    <mc:Choice xmlns:p14="http://schemas.microsoft.com/office/powerpoint/2010/main" Requires="p14">
+  <mc:AlternateContent xmlns:mc="http://schemas.openxmlformats.org/markup-compatibility/2006" xmlns:p14="http://schemas.microsoft.com/office/powerpoint/2010/main">
+    <mc:Choice Requires="p14">
       <p:transition p14:dur="10"/>
     </mc:Choice>
-    <mc:Fallback>
+    <mc:Fallback xmlns="">
       <p:transition/>
     </mc:Fallback>
   </mc:AlternateContent>
@@ -22094,11 +22092,11 @@
   <p:clrMapOvr>
     <a:masterClrMapping/>
   </p:clrMapOvr>
-  <mc:AlternateContent xmlns:mc="http://schemas.openxmlformats.org/markup-compatibility/2006">
-    <mc:Choice xmlns:p14="http://schemas.microsoft.com/office/powerpoint/2010/main" Requires="p14">
+  <mc:AlternateContent xmlns:mc="http://schemas.openxmlformats.org/markup-compatibility/2006" xmlns:p14="http://schemas.microsoft.com/office/powerpoint/2010/main">
+    <mc:Choice Requires="p14">
       <p:transition p14:dur="10"/>
     </mc:Choice>
-    <mc:Fallback>
+    <mc:Fallback xmlns="">
       <p:transition/>
     </mc:Fallback>
   </mc:AlternateContent>
@@ -22751,11 +22749,11 @@
   <p:clrMapOvr>
     <a:masterClrMapping/>
   </p:clrMapOvr>
-  <mc:AlternateContent xmlns:mc="http://schemas.openxmlformats.org/markup-compatibility/2006">
-    <mc:Choice xmlns:p14="http://schemas.microsoft.com/office/powerpoint/2010/main" Requires="p14">
+  <mc:AlternateContent xmlns:mc="http://schemas.openxmlformats.org/markup-compatibility/2006" xmlns:p14="http://schemas.microsoft.com/office/powerpoint/2010/main">
+    <mc:Choice Requires="p14">
       <p:transition p14:dur="10"/>
     </mc:Choice>
-    <mc:Fallback>
+    <mc:Fallback xmlns="">
       <p:transition/>
     </mc:Fallback>
   </mc:AlternateContent>
@@ -22933,11 +22931,11 @@
   <p:clrMapOvr>
     <a:masterClrMapping/>
   </p:clrMapOvr>
-  <mc:AlternateContent xmlns:mc="http://schemas.openxmlformats.org/markup-compatibility/2006">
-    <mc:Choice xmlns:p14="http://schemas.microsoft.com/office/powerpoint/2010/main" Requires="p14">
+  <mc:AlternateContent xmlns:mc="http://schemas.openxmlformats.org/markup-compatibility/2006" xmlns:p14="http://schemas.microsoft.com/office/powerpoint/2010/main">
+    <mc:Choice Requires="p14">
       <p:transition p14:dur="10"/>
     </mc:Choice>
-    <mc:Fallback>
+    <mc:Fallback xmlns="">
       <p:transition/>
     </mc:Fallback>
   </mc:AlternateContent>
@@ -23118,11 +23116,11 @@
   <p:clrMapOvr>
     <a:masterClrMapping/>
   </p:clrMapOvr>
-  <mc:AlternateContent xmlns:mc="http://schemas.openxmlformats.org/markup-compatibility/2006">
-    <mc:Choice xmlns:p14="http://schemas.microsoft.com/office/powerpoint/2010/main" Requires="p14">
+  <mc:AlternateContent xmlns:mc="http://schemas.openxmlformats.org/markup-compatibility/2006" xmlns:p14="http://schemas.microsoft.com/office/powerpoint/2010/main">
+    <mc:Choice Requires="p14">
       <p:transition p14:dur="10"/>
     </mc:Choice>
-    <mc:Fallback>
+    <mc:Fallback xmlns="">
       <p:transition/>
     </mc:Fallback>
   </mc:AlternateContent>
@@ -23309,11 +23307,11 @@
   <p:clrMapOvr>
     <a:masterClrMapping/>
   </p:clrMapOvr>
-  <mc:AlternateContent xmlns:mc="http://schemas.openxmlformats.org/markup-compatibility/2006">
-    <mc:Choice xmlns:p14="http://schemas.microsoft.com/office/powerpoint/2010/main" Requires="p14">
+  <mc:AlternateContent xmlns:mc="http://schemas.openxmlformats.org/markup-compatibility/2006" xmlns:p14="http://schemas.microsoft.com/office/powerpoint/2010/main">
+    <mc:Choice Requires="p14">
       <p:transition p14:dur="10"/>
     </mc:Choice>
-    <mc:Fallback>
+    <mc:Fallback xmlns="">
       <p:transition/>
     </mc:Fallback>
   </mc:AlternateContent>
@@ -23381,14 +23379,14 @@
             <p:ph idx="1"/>
             <p:extLst>
               <p:ext uri="{D42A27DB-BD31-4B8C-83A1-F6EECF244321}">
-                <p14:modId xmlns:p14="http://schemas.microsoft.com/office/powerpoint/2010/main" val="2186844611"/>
+                <p14:modId xmlns:p14="http://schemas.microsoft.com/office/powerpoint/2010/main" val="3090269115"/>
               </p:ext>
             </p:extLst>
           </p:nvPr>
         </p:nvGraphicFramePr>
         <p:xfrm>
           <a:off x="457201" y="1933575"/>
-          <a:ext cx="9281885" cy="3124800"/>
+          <a:ext cx="9281885" cy="2604000"/>
         </p:xfrm>
         <a:graphic>
           <a:graphicData uri="http://schemas.openxmlformats.org/drawingml/2006/table">
@@ -24130,156 +24128,6 @@
                   </a:ext>
                 </a:extLst>
               </a:tr>
-              <a:tr h="370840">
-                <a:tc>
-                  <a:txBody>
-                    <a:bodyPr/>
-                    <a:lstStyle/>
-                    <a:p>
-                      <a:pPr algn="ctr"/>
-                      <a:r>
-                        <a:rPr lang="en-GB" sz="2000" b="1" dirty="0">
-                          <a:solidFill>
-                            <a:schemeClr val="bg1"/>
-                          </a:solidFill>
-                        </a:rPr>
-                        <a:t>6</a:t>
-                      </a:r>
-                    </a:p>
-                  </a:txBody>
-                  <a:tcPr marL="144000" marR="144000" marT="108000" marB="108000" anchor="ctr">
-                    <a:lnL w="12700" cmpd="sng">
-                      <a:noFill/>
-                    </a:lnL>
-                    <a:lnR w="76200" cap="flat" cmpd="sng" algn="ctr">
-                      <a:solidFill>
-                        <a:schemeClr val="bg1"/>
-                      </a:solidFill>
-                      <a:prstDash val="solid"/>
-                      <a:round/>
-                      <a:headEnd type="none" w="med" len="med"/>
-                      <a:tailEnd type="none" w="med" len="med"/>
-                    </a:lnR>
-                    <a:lnT w="76200" cap="flat" cmpd="sng" algn="ctr">
-                      <a:solidFill>
-                        <a:schemeClr val="bg1"/>
-                      </a:solidFill>
-                      <a:prstDash val="solid"/>
-                      <a:round/>
-                      <a:headEnd type="none" w="med" len="med"/>
-                      <a:tailEnd type="none" w="med" len="med"/>
-                    </a:lnT>
-                    <a:lnB w="76200" cap="flat" cmpd="sng" algn="ctr">
-                      <a:solidFill>
-                        <a:schemeClr val="bg1"/>
-                      </a:solidFill>
-                      <a:prstDash val="solid"/>
-                      <a:round/>
-                      <a:headEnd type="none" w="med" len="med"/>
-                      <a:tailEnd type="none" w="med" len="med"/>
-                    </a:lnB>
-                    <a:lnTlToBr w="12700" cmpd="sng">
-                      <a:noFill/>
-                      <a:prstDash val="solid"/>
-                    </a:lnTlToBr>
-                    <a:lnBlToTr w="12700" cmpd="sng">
-                      <a:noFill/>
-                      <a:prstDash val="solid"/>
-                    </a:lnBlToTr>
-                    <a:solidFill>
-                      <a:schemeClr val="accent1"/>
-                    </a:solidFill>
-                  </a:tcPr>
-                </a:tc>
-                <a:tc>
-                  <a:txBody>
-                    <a:bodyPr/>
-                    <a:lstStyle/>
-                    <a:p>
-                      <a:pPr marL="0" marR="0" lvl="0" indent="0" algn="l">
-                        <a:lnSpc>
-                          <a:spcPct val="100000"/>
-                        </a:lnSpc>
-                        <a:spcBef>
-                          <a:spcPts val="900"/>
-                        </a:spcBef>
-                        <a:spcAft>
-                          <a:spcPts val="0"/>
-                        </a:spcAft>
-                        <a:buClr>
-                          <a:srgbClr val="222222"/>
-                        </a:buClr>
-                        <a:buNone/>
-                      </a:pPr>
-                      <a:r>
-                        <a:rPr kumimoji="0" lang="en-GB" sz="2000" b="0" i="0" u="none" strike="noStrike" kern="1200" cap="none" spc="0" normalizeH="0" baseline="0" noProof="0" dirty="0">
-                          <a:ln>
-                            <a:noFill/>
-                          </a:ln>
-                          <a:solidFill>
-                            <a:srgbClr val="222222"/>
-                          </a:solidFill>
-                          <a:effectLst/>
-                          <a:uLnTx/>
-                          <a:uFillTx/>
-                          <a:latin typeface="Montserrat"/>
-                          <a:ea typeface="+mn-ea"/>
-                          <a:cs typeface="+mn-cs"/>
-                        </a:rPr>
-                        <a:t>Example</a:t>
-                      </a:r>
-                    </a:p>
-                  </a:txBody>
-                  <a:tcPr marL="144000" marR="144000" marT="72000" marB="72000" anchor="ctr">
-                    <a:lnL w="76200" cap="flat" cmpd="sng" algn="ctr">
-                      <a:solidFill>
-                        <a:schemeClr val="bg1"/>
-                      </a:solidFill>
-                      <a:prstDash val="solid"/>
-                      <a:round/>
-                      <a:headEnd type="none" w="med" len="med"/>
-                      <a:tailEnd type="none" w="med" len="med"/>
-                    </a:lnL>
-                    <a:lnR w="12700" cmpd="sng">
-                      <a:noFill/>
-                    </a:lnR>
-                    <a:lnT w="76200" cap="flat" cmpd="sng" algn="ctr">
-                      <a:solidFill>
-                        <a:schemeClr val="bg1"/>
-                      </a:solidFill>
-                      <a:prstDash val="solid"/>
-                      <a:round/>
-                      <a:headEnd type="none" w="med" len="med"/>
-                      <a:tailEnd type="none" w="med" len="med"/>
-                    </a:lnT>
-                    <a:lnB w="76200" cap="flat" cmpd="sng" algn="ctr">
-                      <a:solidFill>
-                        <a:schemeClr val="bg1"/>
-                      </a:solidFill>
-                      <a:prstDash val="solid"/>
-                      <a:round/>
-                      <a:headEnd type="none" w="med" len="med"/>
-                      <a:tailEnd type="none" w="med" len="med"/>
-                    </a:lnB>
-                    <a:lnTlToBr w="12700" cmpd="sng">
-                      <a:noFill/>
-                      <a:prstDash val="solid"/>
-                    </a:lnTlToBr>
-                    <a:lnBlToTr w="12700" cmpd="sng">
-                      <a:noFill/>
-                      <a:prstDash val="solid"/>
-                    </a:lnBlToTr>
-                    <a:solidFill>
-                      <a:schemeClr val="bg2"/>
-                    </a:solidFill>
-                  </a:tcPr>
-                </a:tc>
-                <a:extLst>
-                  <a:ext uri="{0D108BD9-81ED-4DB2-BD59-A6C34878D82A}">
-                    <a16:rowId xmlns:a16="http://schemas.microsoft.com/office/drawing/2014/main" val="4020697605"/>
-                  </a:ext>
-                </a:extLst>
-              </a:tr>
             </a:tbl>
           </a:graphicData>
         </a:graphic>
@@ -24542,11 +24390,11 @@
   <p:clrMapOvr>
     <a:masterClrMapping/>
   </p:clrMapOvr>
-  <mc:AlternateContent xmlns:mc="http://schemas.openxmlformats.org/markup-compatibility/2006">
-    <mc:Choice xmlns:p14="http://schemas.microsoft.com/office/powerpoint/2010/main" Requires="p14">
+  <mc:AlternateContent xmlns:mc="http://schemas.openxmlformats.org/markup-compatibility/2006" xmlns:p14="http://schemas.microsoft.com/office/powerpoint/2010/main">
+    <mc:Choice Requires="p14">
       <p:transition p14:dur="10"/>
     </mc:Choice>
-    <mc:Fallback>
+    <mc:Fallback xmlns="">
       <p:transition/>
     </mc:Fallback>
   </mc:AlternateContent>
@@ -24733,11 +24581,11 @@
   <p:clrMapOvr>
     <a:masterClrMapping/>
   </p:clrMapOvr>
-  <mc:AlternateContent xmlns:mc="http://schemas.openxmlformats.org/markup-compatibility/2006">
-    <mc:Choice xmlns:p14="http://schemas.microsoft.com/office/powerpoint/2010/main" Requires="p14">
+  <mc:AlternateContent xmlns:mc="http://schemas.openxmlformats.org/markup-compatibility/2006" xmlns:p14="http://schemas.microsoft.com/office/powerpoint/2010/main">
+    <mc:Choice Requires="p14">
       <p:transition p14:dur="10"/>
     </mc:Choice>
-    <mc:Fallback>
+    <mc:Fallback xmlns="">
       <p:transition/>
     </mc:Fallback>
   </mc:AlternateContent>
@@ -24918,11 +24766,11 @@
   <p:clrMapOvr>
     <a:masterClrMapping/>
   </p:clrMapOvr>
-  <mc:AlternateContent xmlns:mc="http://schemas.openxmlformats.org/markup-compatibility/2006">
-    <mc:Choice xmlns:p14="http://schemas.microsoft.com/office/powerpoint/2010/main" Requires="p14">
+  <mc:AlternateContent xmlns:mc="http://schemas.openxmlformats.org/markup-compatibility/2006" xmlns:p14="http://schemas.microsoft.com/office/powerpoint/2010/main">
+    <mc:Choice Requires="p14">
       <p:transition p14:dur="10"/>
     </mc:Choice>
-    <mc:Fallback>
+    <mc:Fallback xmlns="">
       <p:transition/>
     </mc:Fallback>
   </mc:AlternateContent>
@@ -25128,476 +24976,9 @@
   <p:clrMapOvr>
     <a:masterClrMapping/>
   </p:clrMapOvr>
-  <mc:AlternateContent xmlns:mc="http://schemas.openxmlformats.org/markup-compatibility/2006">
-    <mc:Choice xmlns:p14="http://schemas.microsoft.com/office/powerpoint/2010/main" Requires="p14">
-      <p:transition p14:dur="10"/>
-    </mc:Choice>
-    <mc:Fallback>
-      <p:transition/>
-    </mc:Fallback>
-  </mc:AlternateContent>
-</p:sld>
-</file>
-
-<file path=ppt/slides/slide24.xml><?xml version="1.0" encoding="utf-8"?>
-<p:sld xmlns:a="http://schemas.openxmlformats.org/drawingml/2006/main" xmlns:r="http://schemas.openxmlformats.org/officeDocument/2006/relationships" xmlns:p="http://schemas.openxmlformats.org/presentationml/2006/main">
-  <p:cSld>
-    <p:spTree>
-      <p:nvGrpSpPr>
-        <p:cNvPr id="1" name=""/>
-        <p:cNvGrpSpPr/>
-        <p:nvPr/>
-      </p:nvGrpSpPr>
-      <p:grpSpPr>
-        <a:xfrm>
-          <a:off x="0" y="0"/>
-          <a:ext cx="0" cy="0"/>
-          <a:chOff x="0" y="0"/>
-          <a:chExt cx="0" cy="0"/>
-        </a:xfrm>
-      </p:grpSpPr>
-      <p:sp>
-        <p:nvSpPr>
-          <p:cNvPr id="4" name="Rectangle 3">
-            <a:extLst>
-              <a:ext uri="{FF2B5EF4-FFF2-40B4-BE49-F238E27FC236}">
-                <a16:creationId xmlns:a16="http://schemas.microsoft.com/office/drawing/2014/main" id="{98BC5FB4-B76A-47DD-8872-93ABBC2B1D8A}"/>
-              </a:ext>
-            </a:extLst>
-          </p:cNvPr>
-          <p:cNvSpPr/>
-          <p:nvPr/>
-        </p:nvSpPr>
-        <p:spPr>
-          <a:xfrm>
-            <a:off x="0" y="0"/>
-            <a:ext cx="12192000" cy="6884230"/>
-          </a:xfrm>
-          <a:prstGeom prst="rect">
-            <a:avLst/>
-          </a:prstGeom>
-        </p:spPr>
-        <p:style>
-          <a:lnRef idx="2">
-            <a:schemeClr val="accent3">
-              <a:shade val="50000"/>
-            </a:schemeClr>
-          </a:lnRef>
-          <a:fillRef idx="1">
-            <a:schemeClr val="accent3"/>
-          </a:fillRef>
-          <a:effectRef idx="0">
-            <a:schemeClr val="accent3"/>
-          </a:effectRef>
-          <a:fontRef idx="minor">
-            <a:schemeClr val="lt1"/>
-          </a:fontRef>
-        </p:style>
-        <p:txBody>
-          <a:bodyPr rtlCol="0" anchor="ctr"/>
-          <a:lstStyle/>
-          <a:p>
-            <a:pPr algn="ctr"/>
-            <a:endParaRPr lang="en-GB"/>
-          </a:p>
-        </p:txBody>
-      </p:sp>
-      <p:sp>
-        <p:nvSpPr>
-          <p:cNvPr id="10" name="Rectangle 1">
-            <a:extLst>
-              <a:ext uri="{FF2B5EF4-FFF2-40B4-BE49-F238E27FC236}">
-                <a16:creationId xmlns:a16="http://schemas.microsoft.com/office/drawing/2014/main" id="{ADB99C1E-2982-44AB-A166-38A91B0411E1}"/>
-              </a:ext>
-            </a:extLst>
-          </p:cNvPr>
-          <p:cNvSpPr/>
-          <p:nvPr/>
-        </p:nvSpPr>
-        <p:spPr>
-          <a:xfrm>
-            <a:off x="0" y="0"/>
-            <a:ext cx="6414052" cy="6884230"/>
-          </a:xfrm>
-          <a:custGeom>
-            <a:avLst/>
-            <a:gdLst>
-              <a:gd name="connsiteX0" fmla="*/ 0 w 24384000"/>
-              <a:gd name="connsiteY0" fmla="*/ 0 h 13716000"/>
-              <a:gd name="connsiteX1" fmla="*/ 24384000 w 24384000"/>
-              <a:gd name="connsiteY1" fmla="*/ 0 h 13716000"/>
-              <a:gd name="connsiteX2" fmla="*/ 24384000 w 24384000"/>
-              <a:gd name="connsiteY2" fmla="*/ 13716000 h 13716000"/>
-              <a:gd name="connsiteX3" fmla="*/ 0 w 24384000"/>
-              <a:gd name="connsiteY3" fmla="*/ 13716000 h 13716000"/>
-              <a:gd name="connsiteX4" fmla="*/ 0 w 24384000"/>
-              <a:gd name="connsiteY4" fmla="*/ 0 h 13716000"/>
-              <a:gd name="connsiteX0" fmla="*/ 0 w 24384000"/>
-              <a:gd name="connsiteY0" fmla="*/ 0 h 13716000"/>
-              <a:gd name="connsiteX1" fmla="*/ 24384000 w 24384000"/>
-              <a:gd name="connsiteY1" fmla="*/ 0 h 13716000"/>
-              <a:gd name="connsiteX2" fmla="*/ 12433004 w 24384000"/>
-              <a:gd name="connsiteY2" fmla="*/ 13716000 h 13716000"/>
-              <a:gd name="connsiteX3" fmla="*/ 0 w 24384000"/>
-              <a:gd name="connsiteY3" fmla="*/ 13716000 h 13716000"/>
-              <a:gd name="connsiteX4" fmla="*/ 0 w 24384000"/>
-              <a:gd name="connsiteY4" fmla="*/ 0 h 13716000"/>
-            </a:gdLst>
-            <a:ahLst/>
-            <a:cxnLst>
-              <a:cxn ang="0">
-                <a:pos x="connsiteX0" y="connsiteY0"/>
-              </a:cxn>
-              <a:cxn ang="0">
-                <a:pos x="connsiteX1" y="connsiteY1"/>
-              </a:cxn>
-              <a:cxn ang="0">
-                <a:pos x="connsiteX2" y="connsiteY2"/>
-              </a:cxn>
-              <a:cxn ang="0">
-                <a:pos x="connsiteX3" y="connsiteY3"/>
-              </a:cxn>
-              <a:cxn ang="0">
-                <a:pos x="connsiteX4" y="connsiteY4"/>
-              </a:cxn>
-            </a:cxnLst>
-            <a:rect l="l" t="t" r="r" b="b"/>
-            <a:pathLst>
-              <a:path w="24384000" h="13716000">
-                <a:moveTo>
-                  <a:pt x="0" y="0"/>
-                </a:moveTo>
-                <a:lnTo>
-                  <a:pt x="24384000" y="0"/>
-                </a:lnTo>
-                <a:lnTo>
-                  <a:pt x="12433004" y="13716000"/>
-                </a:lnTo>
-                <a:lnTo>
-                  <a:pt x="0" y="13716000"/>
-                </a:lnTo>
-                <a:lnTo>
-                  <a:pt x="0" y="0"/>
-                </a:lnTo>
-                <a:close/>
-              </a:path>
-            </a:pathLst>
-          </a:custGeom>
-          <a:solidFill>
-            <a:srgbClr val="BB378A">
-              <a:alpha val="81782"/>
-            </a:srgbClr>
-          </a:solidFill>
-          <a:ln>
-            <a:noFill/>
-          </a:ln>
-        </p:spPr>
-        <p:style>
-          <a:lnRef idx="2">
-            <a:schemeClr val="accent1">
-              <a:shade val="50000"/>
-            </a:schemeClr>
-          </a:lnRef>
-          <a:fillRef idx="1">
-            <a:schemeClr val="accent1"/>
-          </a:fillRef>
-          <a:effectRef idx="0">
-            <a:schemeClr val="accent1"/>
-          </a:effectRef>
-          <a:fontRef idx="minor">
-            <a:schemeClr val="lt1"/>
-          </a:fontRef>
-        </p:style>
-        <p:txBody>
-          <a:bodyPr rtlCol="0" anchor="ctr"/>
-          <a:lstStyle/>
-          <a:p>
-            <a:pPr algn="ctr"/>
-            <a:endParaRPr lang="en-GB"/>
-          </a:p>
-        </p:txBody>
-      </p:sp>
-      <p:sp>
-        <p:nvSpPr>
-          <p:cNvPr id="11" name="Rectangle 8">
-            <a:extLst>
-              <a:ext uri="{FF2B5EF4-FFF2-40B4-BE49-F238E27FC236}">
-                <a16:creationId xmlns:a16="http://schemas.microsoft.com/office/drawing/2014/main" id="{4B2309DF-0D11-44C3-81A4-9944BA19D0C1}"/>
-              </a:ext>
-            </a:extLst>
-          </p:cNvPr>
-          <p:cNvSpPr/>
-          <p:nvPr/>
-        </p:nvSpPr>
-        <p:spPr>
-          <a:xfrm rot="17700000">
-            <a:off x="1849388" y="4516153"/>
-            <a:ext cx="5060220" cy="166040"/>
-          </a:xfrm>
-          <a:custGeom>
-            <a:avLst/>
-            <a:gdLst>
-              <a:gd name="connsiteX0" fmla="*/ 0 w 10120439"/>
-              <a:gd name="connsiteY0" fmla="*/ 0 h 328032"/>
-              <a:gd name="connsiteX1" fmla="*/ 10120439 w 10120439"/>
-              <a:gd name="connsiteY1" fmla="*/ 0 h 328032"/>
-              <a:gd name="connsiteX2" fmla="*/ 10120439 w 10120439"/>
-              <a:gd name="connsiteY2" fmla="*/ 328032 h 328032"/>
-              <a:gd name="connsiteX3" fmla="*/ 0 w 10120439"/>
-              <a:gd name="connsiteY3" fmla="*/ 328032 h 328032"/>
-              <a:gd name="connsiteX4" fmla="*/ 0 w 10120439"/>
-              <a:gd name="connsiteY4" fmla="*/ 0 h 328032"/>
-              <a:gd name="connsiteX0" fmla="*/ 0 w 10120439"/>
-              <a:gd name="connsiteY0" fmla="*/ 0 h 328032"/>
-              <a:gd name="connsiteX1" fmla="*/ 10120439 w 10120439"/>
-              <a:gd name="connsiteY1" fmla="*/ 0 h 328032"/>
-              <a:gd name="connsiteX2" fmla="*/ 10120439 w 10120439"/>
-              <a:gd name="connsiteY2" fmla="*/ 328032 h 328032"/>
-              <a:gd name="connsiteX3" fmla="*/ 142508 w 10120439"/>
-              <a:gd name="connsiteY3" fmla="*/ 320068 h 328032"/>
-              <a:gd name="connsiteX4" fmla="*/ 0 w 10120439"/>
-              <a:gd name="connsiteY4" fmla="*/ 0 h 328032"/>
-              <a:gd name="connsiteX0" fmla="*/ 0 w 10120439"/>
-              <a:gd name="connsiteY0" fmla="*/ 4047 h 332079"/>
-              <a:gd name="connsiteX1" fmla="*/ 9972329 w 10120439"/>
-              <a:gd name="connsiteY1" fmla="*/ 0 h 332079"/>
-              <a:gd name="connsiteX2" fmla="*/ 10120439 w 10120439"/>
-              <a:gd name="connsiteY2" fmla="*/ 332079 h 332079"/>
-              <a:gd name="connsiteX3" fmla="*/ 142508 w 10120439"/>
-              <a:gd name="connsiteY3" fmla="*/ 324115 h 332079"/>
-              <a:gd name="connsiteX4" fmla="*/ 0 w 10120439"/>
-              <a:gd name="connsiteY4" fmla="*/ 4047 h 332079"/>
-            </a:gdLst>
-            <a:ahLst/>
-            <a:cxnLst>
-              <a:cxn ang="0">
-                <a:pos x="connsiteX0" y="connsiteY0"/>
-              </a:cxn>
-              <a:cxn ang="0">
-                <a:pos x="connsiteX1" y="connsiteY1"/>
-              </a:cxn>
-              <a:cxn ang="0">
-                <a:pos x="connsiteX2" y="connsiteY2"/>
-              </a:cxn>
-              <a:cxn ang="0">
-                <a:pos x="connsiteX3" y="connsiteY3"/>
-              </a:cxn>
-              <a:cxn ang="0">
-                <a:pos x="connsiteX4" y="connsiteY4"/>
-              </a:cxn>
-            </a:cxnLst>
-            <a:rect l="l" t="t" r="r" b="b"/>
-            <a:pathLst>
-              <a:path w="10120439" h="332079">
-                <a:moveTo>
-                  <a:pt x="0" y="4047"/>
-                </a:moveTo>
-                <a:lnTo>
-                  <a:pt x="9972329" y="0"/>
-                </a:lnTo>
-                <a:lnTo>
-                  <a:pt x="10120439" y="332079"/>
-                </a:lnTo>
-                <a:lnTo>
-                  <a:pt x="142508" y="324115"/>
-                </a:lnTo>
-                <a:lnTo>
-                  <a:pt x="0" y="4047"/>
-                </a:lnTo>
-                <a:close/>
-              </a:path>
-            </a:pathLst>
-          </a:custGeom>
-          <a:solidFill>
-            <a:srgbClr val="F83F78"/>
-          </a:solidFill>
-          <a:ln>
-            <a:noFill/>
-          </a:ln>
-        </p:spPr>
-        <p:style>
-          <a:lnRef idx="2">
-            <a:schemeClr val="accent1">
-              <a:shade val="50000"/>
-            </a:schemeClr>
-          </a:lnRef>
-          <a:fillRef idx="1">
-            <a:schemeClr val="accent1"/>
-          </a:fillRef>
-          <a:effectRef idx="0">
-            <a:schemeClr val="accent1"/>
-          </a:effectRef>
-          <a:fontRef idx="minor">
-            <a:schemeClr val="lt1"/>
-          </a:fontRef>
-        </p:style>
-        <p:txBody>
-          <a:bodyPr rtlCol="0" anchor="ctr"/>
-          <a:lstStyle/>
-          <a:p>
-            <a:pPr algn="ctr"/>
-            <a:endParaRPr lang="en-GB"/>
-          </a:p>
-        </p:txBody>
-      </p:sp>
-      <p:sp>
-        <p:nvSpPr>
-          <p:cNvPr id="12" name="Title 2">
-            <a:extLst>
-              <a:ext uri="{FF2B5EF4-FFF2-40B4-BE49-F238E27FC236}">
-                <a16:creationId xmlns:a16="http://schemas.microsoft.com/office/drawing/2014/main" id="{23581868-4C5E-9742-B666-F3FA6E5A9039}"/>
-              </a:ext>
-            </a:extLst>
-          </p:cNvPr>
-          <p:cNvSpPr txBox="1">
-            <a:spLocks/>
-          </p:cNvSpPr>
-          <p:nvPr/>
-        </p:nvSpPr>
-        <p:spPr>
-          <a:xfrm>
-            <a:off x="450000" y="2761990"/>
-            <a:ext cx="5964052" cy="1334021"/>
-          </a:xfrm>
-          <a:prstGeom prst="rect">
-            <a:avLst/>
-          </a:prstGeom>
-        </p:spPr>
-        <p:txBody>
-          <a:bodyPr lIns="91440" tIns="45720" rIns="91440" bIns="45720" anchor="t"/>
-          <a:lstStyle>
-            <a:lvl1pPr algn="l" defTabSz="914400" rtl="0" eaLnBrk="1" latinLnBrk="0" hangingPunct="1">
-              <a:lnSpc>
-                <a:spcPct val="90000"/>
-              </a:lnSpc>
-              <a:spcBef>
-                <a:spcPct val="0"/>
-              </a:spcBef>
-              <a:buNone/>
-              <a:defRPr sz="4400" kern="1200">
-                <a:solidFill>
-                  <a:schemeClr val="tx1"/>
-                </a:solidFill>
-                <a:latin typeface="+mj-lt"/>
-                <a:ea typeface="+mj-ea"/>
-                <a:cs typeface="+mj-cs"/>
-              </a:defRPr>
-            </a:lvl1pPr>
-          </a:lstStyle>
-          <a:p>
-            <a:r>
-              <a:rPr lang="en-GB" sz="3600" b="1" spc="-75" dirty="0">
-                <a:solidFill>
-                  <a:schemeClr val="bg1"/>
-                </a:solidFill>
-                <a:latin typeface="Montserrat Light"/>
-              </a:rPr>
-              <a:t>Demonstration</a:t>
-            </a:r>
-            <a:endParaRPr lang="en-GB" b="1" dirty="0">
-              <a:solidFill>
-                <a:schemeClr val="bg1"/>
-              </a:solidFill>
-            </a:endParaRPr>
-          </a:p>
-        </p:txBody>
-      </p:sp>
-      <p:pic>
-        <p:nvPicPr>
-          <p:cNvPr id="14" name="Picture 13">
-            <a:extLst>
-              <a:ext uri="{FF2B5EF4-FFF2-40B4-BE49-F238E27FC236}">
-                <a16:creationId xmlns:a16="http://schemas.microsoft.com/office/drawing/2014/main" id="{6FDC22CB-2E48-5C46-9713-BF515226C149}"/>
-              </a:ext>
-            </a:extLst>
-          </p:cNvPr>
-          <p:cNvPicPr>
-            <a:picLocks noChangeAspect="1"/>
-          </p:cNvPicPr>
-          <p:nvPr/>
-        </p:nvPicPr>
-        <p:blipFill>
-          <a:blip r:embed="rId2" cstate="screen">
-            <a:biLevel thresh="25000"/>
-            <a:extLst>
-              <a:ext uri="{28A0092B-C50C-407E-A947-70E740481C1C}">
-                <a14:useLocalDpi xmlns:a14="http://schemas.microsoft.com/office/drawing/2010/main"/>
-              </a:ext>
-            </a:extLst>
-          </a:blip>
-          <a:stretch>
-            <a:fillRect/>
-          </a:stretch>
-        </p:blipFill>
-        <p:spPr>
-          <a:xfrm>
-            <a:off x="450000" y="261380"/>
-            <a:ext cx="985672" cy="203019"/>
-          </a:xfrm>
-          <a:prstGeom prst="rect">
-            <a:avLst/>
-          </a:prstGeom>
-        </p:spPr>
-      </p:pic>
-      <p:pic>
-        <p:nvPicPr>
-          <p:cNvPr id="5" name="Picture 4" descr="Icon&#10;&#10;Description automatically generated">
-            <a:extLst>
-              <a:ext uri="{FF2B5EF4-FFF2-40B4-BE49-F238E27FC236}">
-                <a16:creationId xmlns:a16="http://schemas.microsoft.com/office/drawing/2014/main" id="{269D2246-CDC7-4287-A119-3F3BAAB59CF4}"/>
-              </a:ext>
-            </a:extLst>
-          </p:cNvPr>
-          <p:cNvPicPr>
-            <a:picLocks noChangeAspect="1"/>
-          </p:cNvPicPr>
-          <p:nvPr/>
-        </p:nvPicPr>
-        <p:blipFill>
-          <a:blip r:embed="rId3">
-            <a:clrChange>
-              <a:clrFrom>
-                <a:srgbClr val="FFFFFF"/>
-              </a:clrFrom>
-              <a:clrTo>
-                <a:srgbClr val="FFFFFF">
-                  <a:alpha val="0"/>
-                </a:srgbClr>
-              </a:clrTo>
-            </a:clrChange>
-            <a:extLst>
-              <a:ext uri="{28A0092B-C50C-407E-A947-70E740481C1C}">
-                <a14:useLocalDpi xmlns:a14="http://schemas.microsoft.com/office/drawing/2010/main" val="0"/>
-              </a:ext>
-            </a:extLst>
-          </a:blip>
-          <a:stretch>
-            <a:fillRect/>
-          </a:stretch>
-        </p:blipFill>
-        <p:spPr>
-          <a:xfrm>
-            <a:off x="5820770" y="846162"/>
-            <a:ext cx="5547282" cy="5547282"/>
-          </a:xfrm>
-          <a:prstGeom prst="rect">
-            <a:avLst/>
-          </a:prstGeom>
-        </p:spPr>
-      </p:pic>
-    </p:spTree>
-    <p:extLst>
-      <p:ext uri="{BB962C8B-B14F-4D97-AF65-F5344CB8AC3E}">
-        <p14:creationId xmlns:p14="http://schemas.microsoft.com/office/powerpoint/2010/main" val="2946978993"/>
-      </p:ext>
-    </p:extLst>
-  </p:cSld>
-  <p:clrMapOvr>
-    <a:masterClrMapping/>
-  </p:clrMapOvr>
   <mc:AlternateContent xmlns:mc="http://schemas.openxmlformats.org/markup-compatibility/2006" xmlns:p14="http://schemas.microsoft.com/office/powerpoint/2010/main">
     <mc:Choice Requires="p14">
-      <p:transition p14:dur="0"/>
+      <p:transition p14:dur="10"/>
     </mc:Choice>
     <mc:Fallback xmlns="">
       <p:transition/>
@@ -25606,167 +24987,7 @@
 </p:sld>
 </file>
 
-<file path=ppt/slides/slide25.xml><?xml version="1.0" encoding="utf-8"?>
-<p:sld xmlns:a="http://schemas.openxmlformats.org/drawingml/2006/main" xmlns:r="http://schemas.openxmlformats.org/officeDocument/2006/relationships" xmlns:p="http://schemas.openxmlformats.org/presentationml/2006/main">
-  <p:cSld>
-    <p:spTree>
-      <p:nvGrpSpPr>
-        <p:cNvPr id="1" name=""/>
-        <p:cNvGrpSpPr/>
-        <p:nvPr/>
-      </p:nvGrpSpPr>
-      <p:grpSpPr>
-        <a:xfrm>
-          <a:off x="0" y="0"/>
-          <a:ext cx="0" cy="0"/>
-          <a:chOff x="0" y="0"/>
-          <a:chExt cx="0" cy="0"/>
-        </a:xfrm>
-      </p:grpSpPr>
-      <p:sp>
-        <p:nvSpPr>
-          <p:cNvPr id="6" name="Content Placeholder 5">
-            <a:extLst>
-              <a:ext uri="{FF2B5EF4-FFF2-40B4-BE49-F238E27FC236}">
-                <a16:creationId xmlns:a16="http://schemas.microsoft.com/office/drawing/2014/main" id="{2C29710E-03F4-46B9-8501-030B3D9A4DF3}"/>
-              </a:ext>
-            </a:extLst>
-          </p:cNvPr>
-          <p:cNvSpPr>
-            <a:spLocks noGrp="1"/>
-          </p:cNvSpPr>
-          <p:nvPr>
-            <p:ph idx="1"/>
-          </p:nvPr>
-        </p:nvSpPr>
-        <p:spPr/>
-        <p:txBody>
-          <a:bodyPr/>
-          <a:lstStyle/>
-          <a:p>
-            <a:r>
-              <a:rPr lang="en-GB" dirty="0"/>
-              <a:t>I will now demonstrate adding a quick feature to the website using HTML, CSS and </a:t>
-            </a:r>
-            <a:r>
-              <a:rPr lang="en-GB" dirty="0" err="1"/>
-              <a:t>Javascript</a:t>
-            </a:r>
-            <a:r>
-              <a:rPr lang="en-GB" dirty="0"/>
-              <a:t>.</a:t>
-            </a:r>
-          </a:p>
-        </p:txBody>
-      </p:sp>
-      <p:sp>
-        <p:nvSpPr>
-          <p:cNvPr id="2" name="Title 1">
-            <a:extLst>
-              <a:ext uri="{FF2B5EF4-FFF2-40B4-BE49-F238E27FC236}">
-                <a16:creationId xmlns:a16="http://schemas.microsoft.com/office/drawing/2014/main" id="{B491CE7B-F9F5-46CD-A445-545C61DE374A}"/>
-              </a:ext>
-            </a:extLst>
-          </p:cNvPr>
-          <p:cNvSpPr>
-            <a:spLocks noGrp="1"/>
-          </p:cNvSpPr>
-          <p:nvPr>
-            <p:ph type="title"/>
-          </p:nvPr>
-        </p:nvSpPr>
-        <p:spPr/>
-        <p:txBody>
-          <a:bodyPr/>
-          <a:lstStyle/>
-          <a:p>
-            <a:r>
-              <a:rPr lang="en-GB" dirty="0"/>
-              <a:t>Demonstration</a:t>
-            </a:r>
-            <a:endParaRPr lang="en-US" dirty="0"/>
-          </a:p>
-        </p:txBody>
-      </p:sp>
-      <p:sp>
-        <p:nvSpPr>
-          <p:cNvPr id="4" name="Footer Placeholder 3">
-            <a:extLst>
-              <a:ext uri="{FF2B5EF4-FFF2-40B4-BE49-F238E27FC236}">
-                <a16:creationId xmlns:a16="http://schemas.microsoft.com/office/drawing/2014/main" id="{8F3824E5-9699-4B33-9D02-5717D5472D31}"/>
-              </a:ext>
-            </a:extLst>
-          </p:cNvPr>
-          <p:cNvSpPr>
-            <a:spLocks noGrp="1"/>
-          </p:cNvSpPr>
-          <p:nvPr>
-            <p:ph type="ftr" sz="quarter" idx="11"/>
-          </p:nvPr>
-        </p:nvSpPr>
-        <p:spPr/>
-        <p:txBody>
-          <a:bodyPr/>
-          <a:lstStyle/>
-          <a:p>
-            <a:r>
-              <a:rPr lang="en-GB" dirty="0"/>
-              <a:t>HTML/CSS/JS</a:t>
-            </a:r>
-          </a:p>
-        </p:txBody>
-      </p:sp>
-      <p:sp>
-        <p:nvSpPr>
-          <p:cNvPr id="5" name="Slide Number Placeholder 4">
-            <a:extLst>
-              <a:ext uri="{FF2B5EF4-FFF2-40B4-BE49-F238E27FC236}">
-                <a16:creationId xmlns:a16="http://schemas.microsoft.com/office/drawing/2014/main" id="{13157828-AA0E-4DAA-BC18-96D423FBB5F7}"/>
-              </a:ext>
-            </a:extLst>
-          </p:cNvPr>
-          <p:cNvSpPr>
-            <a:spLocks noGrp="1"/>
-          </p:cNvSpPr>
-          <p:nvPr>
-            <p:ph type="sldNum" sz="quarter" idx="12"/>
-          </p:nvPr>
-        </p:nvSpPr>
-        <p:spPr/>
-        <p:txBody>
-          <a:bodyPr/>
-          <a:lstStyle/>
-          <a:p>
-            <a:fld id="{BC3375C0-E832-4564-9B1D-553F653E3826}" type="slidenum">
-              <a:rPr lang="en-GB" smtClean="0"/>
-              <a:t>25</a:t>
-            </a:fld>
-            <a:endParaRPr lang="en-GB"/>
-          </a:p>
-        </p:txBody>
-      </p:sp>
-    </p:spTree>
-    <p:extLst>
-      <p:ext uri="{BB962C8B-B14F-4D97-AF65-F5344CB8AC3E}">
-        <p14:creationId xmlns:p14="http://schemas.microsoft.com/office/powerpoint/2010/main" val="3141861876"/>
-      </p:ext>
-    </p:extLst>
-  </p:cSld>
-  <p:clrMapOvr>
-    <a:masterClrMapping/>
-  </p:clrMapOvr>
-  <mc:AlternateContent xmlns:mc="http://schemas.openxmlformats.org/markup-compatibility/2006">
-    <mc:Choice xmlns:p14="http://schemas.microsoft.com/office/powerpoint/2010/main" Requires="p14">
-      <p:transition p14:dur="10"/>
-    </mc:Choice>
-    <mc:Fallback>
-      <p:transition/>
-    </mc:Fallback>
-  </mc:AlternateContent>
-</p:sld>
-</file>
-
-<file path=ppt/slides/slide26.xml><?xml version="1.0" encoding="utf-8"?>
+<file path=ppt/slides/slide24.xml><?xml version="1.0" encoding="utf-8"?>
 <p:sld xmlns:a="http://schemas.openxmlformats.org/drawingml/2006/main" xmlns:r="http://schemas.openxmlformats.org/officeDocument/2006/relationships" xmlns:p="http://schemas.openxmlformats.org/presentationml/2006/main">
   <p:cSld>
     <p:spTree>
@@ -28778,18 +27999,18 @@
 </file>
 
 <file path=customXml/item1.xml><?xml version="1.0" encoding="utf-8"?>
+<p:properties xmlns:p="http://schemas.microsoft.com/office/2006/metadata/properties" xmlns:xsi="http://www.w3.org/2001/XMLSchema-instance" xmlns:pc="http://schemas.microsoft.com/office/infopath/2007/PartnerControls">
+  <documentManagement/>
+</p:properties>
+</file>
+
+<file path=customXml/item2.xml><?xml version="1.0" encoding="utf-8"?>
 <?mso-contentType ?>
 <FormTemplates xmlns="http://schemas.microsoft.com/sharepoint/v3/contenttype/forms">
   <Display>DocumentLibraryForm</Display>
   <Edit>DocumentLibraryForm</Edit>
   <New>DocumentLibraryForm</New>
 </FormTemplates>
-</file>
-
-<file path=customXml/item2.xml><?xml version="1.0" encoding="utf-8"?>
-<p:properties xmlns:p="http://schemas.microsoft.com/office/2006/metadata/properties" xmlns:xsi="http://www.w3.org/2001/XMLSchema-instance" xmlns:pc="http://schemas.microsoft.com/office/infopath/2007/PartnerControls">
-  <documentManagement/>
-</p:properties>
 </file>
 
 <file path=customXml/item3.xml><?xml version="1.0" encoding="utf-8"?>
@@ -29010,14 +28231,6 @@
 </file>
 
 <file path=customXml/itemProps1.xml><?xml version="1.0" encoding="utf-8"?>
-<ds:datastoreItem xmlns:ds="http://schemas.openxmlformats.org/officeDocument/2006/customXml" ds:itemID="{CE1CAEE4-FACD-4E29-9FA2-1415ACCF9B2B}">
-  <ds:schemaRefs>
-    <ds:schemaRef ds:uri="http://schemas.microsoft.com/sharepoint/v3/contenttype/forms"/>
-  </ds:schemaRefs>
-</ds:datastoreItem>
-</file>
-
-<file path=customXml/itemProps2.xml><?xml version="1.0" encoding="utf-8"?>
 <ds:datastoreItem xmlns:ds="http://schemas.openxmlformats.org/officeDocument/2006/customXml" ds:itemID="{7C3E776E-B10B-4ADA-92E8-25AFDF00BE65}">
   <ds:schemaRefs>
     <ds:schemaRef ds:uri="16822fe8-4949-411e-b509-0583e0da6ec6"/>
@@ -29030,6 +28243,14 @@
     <ds:schemaRef ds:uri="http://schemas.microsoft.com/office/infopath/2007/PartnerControls"/>
     <ds:schemaRef ds:uri="http://schemas.openxmlformats.org/package/2006/metadata/core-properties"/>
     <ds:schemaRef ds:uri="http://www.w3.org/XML/1998/namespace"/>
+  </ds:schemaRefs>
+</ds:datastoreItem>
+</file>
+
+<file path=customXml/itemProps2.xml><?xml version="1.0" encoding="utf-8"?>
+<ds:datastoreItem xmlns:ds="http://schemas.openxmlformats.org/officeDocument/2006/customXml" ds:itemID="{CE1CAEE4-FACD-4E29-9FA2-1415ACCF9B2B}">
+  <ds:schemaRefs>
+    <ds:schemaRef ds:uri="http://schemas.microsoft.com/sharepoint/v3/contenttype/forms"/>
   </ds:schemaRefs>
 </ds:datastoreItem>
 </file>
